--- a/SPORTS CLUB PPT.pptx
+++ b/SPORTS CLUB PPT.pptx
@@ -5,23 +5,23 @@
     <p:sldMasterId id="2147483648" r:id="rId1"/>
   </p:sldMasterIdLst>
   <p:notesMasterIdLst>
-    <p:notesMasterId r:id="rId4"/>
+    <p:notesMasterId r:id="rId13"/>
   </p:notesMasterIdLst>
   <p:handoutMasterIdLst>
-    <p:handoutMasterId r:id="rId15"/>
+    <p:handoutMasterId r:id="rId14"/>
   </p:handoutMasterIdLst>
   <p:sldIdLst>
-    <p:sldId id="256" r:id="rId3"/>
-    <p:sldId id="257" r:id="rId5"/>
-    <p:sldId id="258" r:id="rId6"/>
-    <p:sldId id="259" r:id="rId7"/>
-    <p:sldId id="260" r:id="rId8"/>
-    <p:sldId id="261" r:id="rId9"/>
-    <p:sldId id="262" r:id="rId10"/>
-    <p:sldId id="263" r:id="rId11"/>
-    <p:sldId id="264" r:id="rId12"/>
-    <p:sldId id="265" r:id="rId13"/>
-    <p:sldId id="266" r:id="rId14"/>
+    <p:sldId id="256" r:id="rId2"/>
+    <p:sldId id="257" r:id="rId3"/>
+    <p:sldId id="258" r:id="rId4"/>
+    <p:sldId id="259" r:id="rId5"/>
+    <p:sldId id="260" r:id="rId6"/>
+    <p:sldId id="261" r:id="rId7"/>
+    <p:sldId id="262" r:id="rId8"/>
+    <p:sldId id="263" r:id="rId9"/>
+    <p:sldId id="264" r:id="rId10"/>
+    <p:sldId id="265" r:id="rId11"/>
+    <p:sldId id="266" r:id="rId12"/>
   </p:sldIdLst>
   <p:sldSz cx="9144000" cy="6858000" type="screen4x3"/>
   <p:notesSz cx="6858000" cy="9144000"/>
@@ -205,6 +205,8 @@
           <a:p>
             <a:fld id="{696C064A-D61B-4B21-B757-51A9B82445B8}" type="datetimeFigureOut">
               <a:rPr lang="en-US" smtClean="0"/>
+              <a:pPr/>
+              <a:t>9/11/2020</a:t>
             </a:fld>
             <a:endParaRPr lang="en-US"/>
           </a:p>
@@ -270,6 +272,8 @@
           <a:p>
             <a:fld id="{50305E07-67EA-4042-A3F6-853A8AD8D209}" type="slidenum">
               <a:rPr lang="en-US" smtClean="0"/>
+              <a:pPr/>
+              <a:t>‹#›</a:t>
             </a:fld>
             <a:endParaRPr lang="en-US"/>
           </a:p>
@@ -363,6 +367,8 @@
           <a:p>
             <a:fld id="{3EFD42F7-718C-4B98-AAEC-167E6DDD60A7}" type="datetimeFigureOut">
               <a:rPr lang="en-US" smtClean="0"/>
+              <a:pPr/>
+              <a:t>9/11/2020</a:t>
             </a:fld>
             <a:endParaRPr lang="en-US"/>
           </a:p>
@@ -429,7 +435,6 @@
               <a:rPr lang="en-US" smtClean="0"/>
               <a:t>Click to edit Master text styles</a:t>
             </a:r>
-            <a:endParaRPr lang="en-US" smtClean="0"/>
           </a:p>
           <a:p>
             <a:pPr lvl="1"/>
@@ -437,7 +442,6 @@
               <a:rPr lang="en-US" smtClean="0"/>
               <a:t>Second level</a:t>
             </a:r>
-            <a:endParaRPr lang="en-US" smtClean="0"/>
           </a:p>
           <a:p>
             <a:pPr lvl="2"/>
@@ -445,7 +449,6 @@
               <a:rPr lang="en-US" smtClean="0"/>
               <a:t>Third level</a:t>
             </a:r>
-            <a:endParaRPr lang="en-US" smtClean="0"/>
           </a:p>
           <a:p>
             <a:pPr lvl="3"/>
@@ -453,7 +456,6 @@
               <a:rPr lang="en-US" smtClean="0"/>
               <a:t>Fourth level</a:t>
             </a:r>
-            <a:endParaRPr lang="en-US" smtClean="0"/>
           </a:p>
           <a:p>
             <a:pPr lvl="4"/>
@@ -525,6 +527,8 @@
           <a:p>
             <a:fld id="{21B2AA4F-B828-4D7C-AFD3-893933DAFCB4}" type="slidenum">
               <a:rPr lang="en-US" smtClean="0"/>
+              <a:pPr/>
+              <a:t>‹#›</a:t>
             </a:fld>
             <a:endParaRPr lang="en-US"/>
           </a:p>
@@ -637,11 +641,20 @@
         <p:cNvGrpSpPr/>
         <p:nvPr/>
       </p:nvGrpSpPr>
-      <p:grpSpPr/>
+      <p:grpSpPr>
+        <a:xfrm>
+          <a:off x="0" y="0"/>
+          <a:ext cx="0" cy="0"/>
+          <a:chOff x="0" y="0"/>
+          <a:chExt cx="0" cy="0"/>
+        </a:xfrm>
+      </p:grpSpPr>
       <p:sp>
         <p:nvSpPr>
           <p:cNvPr id="2" name="Slide Image Placeholder 1"/>
-          <p:cNvSpPr/>
+          <p:cNvSpPr>
+            <a:spLocks noGrp="1" noRot="1" noChangeAspect="1"/>
+          </p:cNvSpPr>
           <p:nvPr>
             <p:ph type="sldImg" idx="2"/>
           </p:nvPr>
@@ -651,7 +664,9 @@
       <p:sp>
         <p:nvSpPr>
           <p:cNvPr id="3" name="Text Placeholder 2"/>
-          <p:cNvSpPr/>
+          <p:cNvSpPr>
+            <a:spLocks noGrp="1"/>
+          </p:cNvSpPr>
           <p:nvPr>
             <p:ph type="body" idx="3"/>
           </p:nvPr>
@@ -659,6 +674,7 @@
         <p:spPr/>
         <p:txBody>
           <a:bodyPr/>
+          <a:lstStyle/>
           <a:p>
             <a:endParaRPr lang="en-US"/>
           </a:p>
@@ -1510,6 +1526,10 @@
               <a:rPr lang="en-US" dirty="0"/>
               <a:t>PRESENTATION</a:t>
             </a:r>
+            <a:r>
+              <a:rPr lang="ru-RU" dirty="0"/>
+              <a:t/>
+            </a:r>
             <a:br>
               <a:rPr lang="ru-RU" dirty="0"/>
             </a:br>
@@ -1564,7 +1584,6 @@
               <a:rPr lang="en-US" dirty="0"/>
               <a:t>Tagline</a:t>
             </a:r>
-            <a:endParaRPr lang="en-US" dirty="0"/>
           </a:p>
         </p:txBody>
       </p:sp>
@@ -1621,7 +1640,6 @@
               <a:rPr lang="en-US" dirty="0"/>
               <a:t>20XX</a:t>
             </a:r>
-            <a:endParaRPr lang="en-US" dirty="0"/>
           </a:p>
         </p:txBody>
       </p:sp>
@@ -1678,7 +1696,6 @@
               <a:rPr lang="en-US" dirty="0"/>
               <a:t>Month</a:t>
             </a:r>
-            <a:endParaRPr lang="en-US" dirty="0"/>
           </a:p>
         </p:txBody>
       </p:sp>
@@ -2191,7 +2208,6 @@
               <a:rPr lang="en-US" dirty="0"/>
               <a:t>678-555-0128</a:t>
             </a:r>
-            <a:endParaRPr lang="en-US" dirty="0"/>
           </a:p>
         </p:txBody>
       </p:sp>
@@ -2248,7 +2264,6 @@
               <a:rPr lang="en-US" dirty="0"/>
               <a:t>Phone</a:t>
             </a:r>
-            <a:endParaRPr lang="en-US" dirty="0"/>
           </a:p>
         </p:txBody>
       </p:sp>
@@ -2305,7 +2320,6 @@
               <a:rPr lang="en-US" dirty="0"/>
               <a:t>martensson@example.com</a:t>
             </a:r>
-            <a:endParaRPr lang="en-US" dirty="0"/>
           </a:p>
         </p:txBody>
       </p:sp>
@@ -2362,7 +2376,6 @@
               <a:rPr lang="en-US" dirty="0"/>
               <a:t>Email</a:t>
             </a:r>
-            <a:endParaRPr lang="en-US" dirty="0"/>
           </a:p>
         </p:txBody>
       </p:sp>
@@ -2747,6 +2760,10 @@
               <a:rPr lang="en-US" dirty="0"/>
               <a:t>PRESENTATION</a:t>
             </a:r>
+            <a:r>
+              <a:rPr lang="ru-RU" dirty="0"/>
+              <a:t/>
+            </a:r>
             <a:br>
               <a:rPr lang="ru-RU" dirty="0"/>
             </a:br>
@@ -3033,6 +3050,8 @@
           <a:p>
             <a:fld id="{E6050BD3-9350-4289-8FCE-7B378CDA2F61}" type="slidenum">
               <a:rPr lang="en-US" smtClean="0"/>
+              <a:pPr/>
+              <a:t>‹#›</a:t>
             </a:fld>
             <a:endParaRPr lang="en-US"/>
           </a:p>
@@ -3220,7 +3239,6 @@
               <a:rPr lang="en-US" smtClean="0"/>
               <a:t>Click to edit Master text styles</a:t>
             </a:r>
-            <a:endParaRPr lang="en-US" smtClean="0"/>
           </a:p>
         </p:txBody>
       </p:sp>
@@ -3488,6 +3506,8 @@
           <a:p>
             <a:fld id="{E6050BD3-9350-4289-8FCE-7B378CDA2F61}" type="slidenum">
               <a:rPr lang="en-US" smtClean="0"/>
+              <a:pPr/>
+              <a:t>‹#›</a:t>
             </a:fld>
             <a:endParaRPr lang="en-US"/>
           </a:p>
@@ -3727,7 +3747,6 @@
               <a:rPr lang="en-US" smtClean="0"/>
               <a:t>Click to edit Master text styles</a:t>
             </a:r>
-            <a:endParaRPr lang="en-US" smtClean="0"/>
           </a:p>
           <a:p>
             <a:pPr lvl="1"/>
@@ -3735,7 +3754,6 @@
               <a:rPr lang="en-US" smtClean="0"/>
               <a:t>Second level</a:t>
             </a:r>
-            <a:endParaRPr lang="en-US" smtClean="0"/>
           </a:p>
           <a:p>
             <a:pPr lvl="2"/>
@@ -3743,7 +3761,6 @@
               <a:rPr lang="en-US" smtClean="0"/>
               <a:t>Third level</a:t>
             </a:r>
-            <a:endParaRPr lang="en-US" smtClean="0"/>
           </a:p>
           <a:p>
             <a:pPr lvl="3"/>
@@ -3751,7 +3768,6 @@
               <a:rPr lang="en-US" smtClean="0"/>
               <a:t>Fourth level</a:t>
             </a:r>
-            <a:endParaRPr lang="en-US" smtClean="0"/>
           </a:p>
           <a:p>
             <a:pPr lvl="4"/>
@@ -4027,6 +4043,8 @@
           <a:p>
             <a:fld id="{E6050BD3-9350-4289-8FCE-7B378CDA2F61}" type="slidenum">
               <a:rPr lang="en-US" smtClean="0"/>
+              <a:pPr/>
+              <a:t>‹#›</a:t>
             </a:fld>
             <a:endParaRPr lang="en-US"/>
           </a:p>
@@ -4268,7 +4286,6 @@
               <a:rPr lang="en-US" smtClean="0"/>
               <a:t>Click to edit Master text styles</a:t>
             </a:r>
-            <a:endParaRPr lang="en-US" smtClean="0"/>
           </a:p>
           <a:p>
             <a:pPr lvl="1"/>
@@ -4276,7 +4293,6 @@
               <a:rPr lang="en-US" smtClean="0"/>
               <a:t>Second level</a:t>
             </a:r>
-            <a:endParaRPr lang="en-US" smtClean="0"/>
           </a:p>
           <a:p>
             <a:pPr lvl="2"/>
@@ -4284,7 +4300,6 @@
               <a:rPr lang="en-US" smtClean="0"/>
               <a:t>Third level</a:t>
             </a:r>
-            <a:endParaRPr lang="en-US" smtClean="0"/>
           </a:p>
           <a:p>
             <a:pPr lvl="3"/>
@@ -4292,7 +4307,6 @@
               <a:rPr lang="en-US" smtClean="0"/>
               <a:t>Fourth level</a:t>
             </a:r>
-            <a:endParaRPr lang="en-US" smtClean="0"/>
           </a:p>
           <a:p>
             <a:pPr lvl="4"/>
@@ -4367,7 +4381,6 @@
               <a:rPr lang="en-US" smtClean="0"/>
               <a:t>Click to edit Master text styles</a:t>
             </a:r>
-            <a:endParaRPr lang="en-US" smtClean="0"/>
           </a:p>
           <a:p>
             <a:pPr lvl="1"/>
@@ -4375,7 +4388,6 @@
               <a:rPr lang="en-US" smtClean="0"/>
               <a:t>Second level</a:t>
             </a:r>
-            <a:endParaRPr lang="en-US" smtClean="0"/>
           </a:p>
           <a:p>
             <a:pPr lvl="2"/>
@@ -4383,7 +4395,6 @@
               <a:rPr lang="en-US" smtClean="0"/>
               <a:t>Third level</a:t>
             </a:r>
-            <a:endParaRPr lang="en-US" smtClean="0"/>
           </a:p>
           <a:p>
             <a:pPr lvl="3"/>
@@ -4391,7 +4402,6 @@
               <a:rPr lang="en-US" smtClean="0"/>
               <a:t>Fourth level</a:t>
             </a:r>
-            <a:endParaRPr lang="en-US" smtClean="0"/>
           </a:p>
           <a:p>
             <a:pPr lvl="4"/>
@@ -4667,6 +4677,8 @@
           <a:p>
             <a:fld id="{E6050BD3-9350-4289-8FCE-7B378CDA2F61}" type="slidenum">
               <a:rPr lang="en-US" smtClean="0"/>
+              <a:pPr/>
+              <a:t>‹#›</a:t>
             </a:fld>
             <a:endParaRPr lang="en-US"/>
           </a:p>
@@ -4909,7 +4921,6 @@
               <a:rPr lang="en-US" smtClean="0"/>
               <a:t>Click to edit Master text styles</a:t>
             </a:r>
-            <a:endParaRPr lang="en-US" smtClean="0"/>
           </a:p>
         </p:txBody>
       </p:sp>
@@ -4976,7 +4987,6 @@
               <a:rPr lang="en-US" smtClean="0"/>
               <a:t>Click to edit Master text styles</a:t>
             </a:r>
-            <a:endParaRPr lang="en-US" smtClean="0"/>
           </a:p>
           <a:p>
             <a:pPr lvl="1"/>
@@ -4984,7 +4994,6 @@
               <a:rPr lang="en-US" smtClean="0"/>
               <a:t>Second level</a:t>
             </a:r>
-            <a:endParaRPr lang="en-US" smtClean="0"/>
           </a:p>
           <a:p>
             <a:pPr lvl="2"/>
@@ -4992,7 +5001,6 @@
               <a:rPr lang="en-US" smtClean="0"/>
               <a:t>Third level</a:t>
             </a:r>
-            <a:endParaRPr lang="en-US" smtClean="0"/>
           </a:p>
           <a:p>
             <a:pPr lvl="3"/>
@@ -5000,7 +5008,6 @@
               <a:rPr lang="en-US" smtClean="0"/>
               <a:t>Fourth level</a:t>
             </a:r>
-            <a:endParaRPr lang="en-US" smtClean="0"/>
           </a:p>
           <a:p>
             <a:pPr lvl="4"/>
@@ -5076,7 +5083,6 @@
               <a:rPr lang="en-US" smtClean="0"/>
               <a:t>Click to edit Master text styles</a:t>
             </a:r>
-            <a:endParaRPr lang="en-US" smtClean="0"/>
           </a:p>
         </p:txBody>
       </p:sp>
@@ -5143,7 +5149,6 @@
               <a:rPr lang="en-US" smtClean="0"/>
               <a:t>Click to edit Master text styles</a:t>
             </a:r>
-            <a:endParaRPr lang="en-US" smtClean="0"/>
           </a:p>
           <a:p>
             <a:pPr lvl="1"/>
@@ -5151,7 +5156,6 @@
               <a:rPr lang="en-US" smtClean="0"/>
               <a:t>Second level</a:t>
             </a:r>
-            <a:endParaRPr lang="en-US" smtClean="0"/>
           </a:p>
           <a:p>
             <a:pPr lvl="2"/>
@@ -5159,7 +5163,6 @@
               <a:rPr lang="en-US" smtClean="0"/>
               <a:t>Third level</a:t>
             </a:r>
-            <a:endParaRPr lang="en-US" smtClean="0"/>
           </a:p>
           <a:p>
             <a:pPr lvl="3"/>
@@ -5167,7 +5170,6 @@
               <a:rPr lang="en-US" smtClean="0"/>
               <a:t>Fourth level</a:t>
             </a:r>
-            <a:endParaRPr lang="en-US" smtClean="0"/>
           </a:p>
           <a:p>
             <a:pPr lvl="4"/>
@@ -5443,6 +5445,8 @@
           <a:p>
             <a:fld id="{E6050BD3-9350-4289-8FCE-7B378CDA2F61}" type="slidenum">
               <a:rPr lang="en-US" smtClean="0"/>
+              <a:pPr/>
+              <a:t>‹#›</a:t>
             </a:fld>
             <a:endParaRPr lang="en-US"/>
           </a:p>
@@ -5616,7 +5620,6 @@
               <a:rPr lang="en-US" smtClean="0"/>
               <a:t>Click to edit Master text styles</a:t>
             </a:r>
-            <a:endParaRPr lang="en-US" smtClean="0"/>
           </a:p>
         </p:txBody>
       </p:sp>
@@ -5693,7 +5696,6 @@
               <a:rPr lang="en-US" smtClean="0"/>
               <a:t>Click to edit Master text styles</a:t>
             </a:r>
-            <a:endParaRPr lang="en-US" smtClean="0"/>
           </a:p>
           <a:p>
             <a:pPr lvl="1"/>
@@ -5701,7 +5703,6 @@
               <a:rPr lang="en-US" smtClean="0"/>
               <a:t>Second level</a:t>
             </a:r>
-            <a:endParaRPr lang="en-US" smtClean="0"/>
           </a:p>
           <a:p>
             <a:pPr lvl="2"/>
@@ -5709,7 +5710,6 @@
               <a:rPr lang="en-US" smtClean="0"/>
               <a:t>Third level</a:t>
             </a:r>
-            <a:endParaRPr lang="en-US" smtClean="0"/>
           </a:p>
           <a:p>
             <a:pPr lvl="3"/>
@@ -5717,7 +5717,6 @@
               <a:rPr lang="en-US" smtClean="0"/>
               <a:t>Fourth level</a:t>
             </a:r>
-            <a:endParaRPr lang="en-US" smtClean="0"/>
           </a:p>
           <a:p>
             <a:pPr lvl="4"/>
@@ -5847,6 +5846,8 @@
           <a:p>
             <a:fld id="{E6050BD3-9350-4289-8FCE-7B378CDA2F61}" type="slidenum">
               <a:rPr lang="en-US" smtClean="0"/>
+              <a:pPr/>
+              <a:t>‹#›</a:t>
             </a:fld>
             <a:endParaRPr lang="en-US"/>
           </a:p>
@@ -6096,7 +6097,6 @@
               <a:rPr lang="en-US" smtClean="0"/>
               <a:t>Click to edit Master text styles</a:t>
             </a:r>
-            <a:endParaRPr lang="en-US" smtClean="0"/>
           </a:p>
         </p:txBody>
       </p:sp>
@@ -6523,6 +6523,8 @@
           <a:p>
             <a:fld id="{E6050BD3-9350-4289-8FCE-7B378CDA2F61}" type="slidenum">
               <a:rPr lang="en-US" smtClean="0"/>
+              <a:pPr/>
+              <a:t>‹#›</a:t>
             </a:fld>
             <a:endParaRPr lang="en-US"/>
           </a:p>
@@ -6980,6 +6982,8 @@
           <a:p>
             <a:fld id="{E6050BD3-9350-4289-8FCE-7B378CDA2F61}" type="slidenum">
               <a:rPr lang="en-US" smtClean="0"/>
+              <a:pPr/>
+              <a:t>‹#›</a:t>
             </a:fld>
             <a:endParaRPr lang="en-US"/>
           </a:p>
@@ -7291,6 +7295,8 @@
           <a:p>
             <a:fld id="{E6050BD3-9350-4289-8FCE-7B378CDA2F61}" type="slidenum">
               <a:rPr lang="en-US" smtClean="0"/>
+              <a:pPr/>
+              <a:t>‹#›</a:t>
             </a:fld>
             <a:endParaRPr lang="en-US"/>
           </a:p>
@@ -7494,7 +7500,6 @@
               <a:rPr lang="en-US" dirty="0"/>
               <a:t>Edit master text styles</a:t>
             </a:r>
-            <a:endParaRPr lang="en-US" dirty="0"/>
           </a:p>
         </p:txBody>
       </p:sp>
@@ -7615,7 +7620,6 @@
               <a:rPr lang="en-US" smtClean="0"/>
               <a:t>Click to edit Master text styles</a:t>
             </a:r>
-            <a:endParaRPr lang="en-US" smtClean="0"/>
           </a:p>
         </p:txBody>
       </p:sp>
@@ -7703,7 +7707,6 @@
               <a:rPr lang="en-US" smtClean="0"/>
               <a:t>Click to edit Master text styles</a:t>
             </a:r>
-            <a:endParaRPr lang="en-US" smtClean="0"/>
           </a:p>
         </p:txBody>
       </p:sp>
@@ -7791,7 +7794,6 @@
               <a:rPr lang="en-US" smtClean="0"/>
               <a:t>Click to edit Master text styles</a:t>
             </a:r>
-            <a:endParaRPr lang="en-US" smtClean="0"/>
           </a:p>
         </p:txBody>
       </p:sp>
@@ -7834,7 +7836,6 @@
               <a:rPr lang="en-US" smtClean="0"/>
               <a:t>Click to edit Master text styles</a:t>
             </a:r>
-            <a:endParaRPr lang="en-US" smtClean="0"/>
           </a:p>
         </p:txBody>
       </p:sp>
@@ -7877,7 +7878,6 @@
               <a:rPr lang="en-US" smtClean="0"/>
               <a:t>Click to edit Master text styles</a:t>
             </a:r>
-            <a:endParaRPr lang="en-US" smtClean="0"/>
           </a:p>
         </p:txBody>
       </p:sp>
@@ -7920,7 +7920,6 @@
               <a:rPr lang="en-US" smtClean="0"/>
               <a:t>Click to edit Master text styles</a:t>
             </a:r>
-            <a:endParaRPr lang="en-US" smtClean="0"/>
           </a:p>
         </p:txBody>
       </p:sp>
@@ -7963,7 +7962,6 @@
               <a:rPr lang="en-US" smtClean="0"/>
               <a:t>Click to edit Master text styles</a:t>
             </a:r>
-            <a:endParaRPr lang="en-US" smtClean="0"/>
           </a:p>
         </p:txBody>
       </p:sp>
@@ -8004,7 +8002,6 @@
               <a:rPr lang="en-US" smtClean="0"/>
               <a:t>Click to edit Master text styles</a:t>
             </a:r>
-            <a:endParaRPr lang="en-US" smtClean="0"/>
           </a:p>
         </p:txBody>
       </p:sp>
@@ -8045,7 +8042,6 @@
               <a:rPr lang="en-US" smtClean="0"/>
               <a:t>Click to edit Master text styles</a:t>
             </a:r>
-            <a:endParaRPr lang="en-US" smtClean="0"/>
           </a:p>
         </p:txBody>
       </p:sp>
@@ -8086,7 +8082,6 @@
               <a:rPr lang="en-US" smtClean="0"/>
               <a:t>Click to edit Master text styles</a:t>
             </a:r>
-            <a:endParaRPr lang="en-US" smtClean="0"/>
           </a:p>
         </p:txBody>
       </p:sp>
@@ -8488,6 +8483,8 @@
           <a:p>
             <a:fld id="{E6050BD3-9350-4289-8FCE-7B378CDA2F61}" type="slidenum">
               <a:rPr lang="en-US" smtClean="0"/>
+              <a:pPr/>
+              <a:t>‹#›</a:t>
             </a:fld>
             <a:endParaRPr lang="en-US"/>
           </a:p>
@@ -8538,7 +8535,6 @@
               <a:rPr lang="en-US" smtClean="0"/>
               <a:t>Click to edit Master text styles</a:t>
             </a:r>
-            <a:endParaRPr lang="en-US" smtClean="0"/>
           </a:p>
         </p:txBody>
       </p:sp>
@@ -8628,7 +8624,6 @@
               <a:rPr lang="en-US" dirty="0"/>
               <a:t>Edit master text styles</a:t>
             </a:r>
-            <a:endParaRPr lang="en-US" dirty="0"/>
           </a:p>
         </p:txBody>
       </p:sp>
@@ -8943,6 +8938,8 @@
           <a:p>
             <a:fld id="{E6050BD3-9350-4289-8FCE-7B378CDA2F61}" type="slidenum">
               <a:rPr lang="en-US" smtClean="0"/>
+              <a:pPr/>
+              <a:t>‹#›</a:t>
             </a:fld>
             <a:endParaRPr lang="en-US"/>
           </a:p>
@@ -8993,7 +8990,6 @@
               <a:rPr lang="en-US" smtClean="0"/>
               <a:t>Click to edit Master text styles</a:t>
             </a:r>
-            <a:endParaRPr lang="en-US" smtClean="0"/>
           </a:p>
         </p:txBody>
       </p:sp>
@@ -9083,7 +9079,6 @@
               <a:rPr lang="en-US" dirty="0"/>
               <a:t>Edit master text styles</a:t>
             </a:r>
-            <a:endParaRPr lang="en-US" dirty="0"/>
           </a:p>
         </p:txBody>
       </p:sp>
@@ -9501,6 +9496,8 @@
           <a:p>
             <a:fld id="{E6050BD3-9350-4289-8FCE-7B378CDA2F61}" type="slidenum">
               <a:rPr lang="en-US" smtClean="0"/>
+              <a:pPr/>
+              <a:t>‹#›</a:t>
             </a:fld>
             <a:endParaRPr lang="en-US"/>
           </a:p>
@@ -9623,7 +9620,6 @@
               <a:rPr lang="en-US" dirty="0"/>
               <a:t>Section 1 title</a:t>
             </a:r>
-            <a:endParaRPr lang="en-US" dirty="0"/>
           </a:p>
         </p:txBody>
       </p:sp>
@@ -9744,7 +9740,6 @@
               <a:rPr lang="en-US" dirty="0"/>
               <a:t>Section 2 title</a:t>
             </a:r>
-            <a:endParaRPr lang="en-US" dirty="0"/>
           </a:p>
         </p:txBody>
       </p:sp>
@@ -9833,7 +9828,6 @@
               <a:rPr lang="en-US" smtClean="0"/>
               <a:t>Click to edit Master text styles</a:t>
             </a:r>
-            <a:endParaRPr lang="en-US" smtClean="0"/>
           </a:p>
         </p:txBody>
       </p:sp>
@@ -9922,7 +9916,6 @@
               <a:rPr lang="en-US" smtClean="0"/>
               <a:t>Click to edit Master text styles</a:t>
             </a:r>
-            <a:endParaRPr lang="en-US" smtClean="0"/>
           </a:p>
         </p:txBody>
       </p:sp>
@@ -10086,7 +10079,6 @@
               <a:rPr lang="en-US" dirty="0"/>
               <a:t>Edit master text styles</a:t>
             </a:r>
-            <a:endParaRPr lang="en-US" dirty="0"/>
           </a:p>
         </p:txBody>
       </p:sp>
@@ -10430,6 +10422,8 @@
           <a:p>
             <a:fld id="{E6050BD3-9350-4289-8FCE-7B378CDA2F61}" type="slidenum">
               <a:rPr lang="en-US" smtClean="0"/>
+              <a:pPr/>
+              <a:t>‹#›</a:t>
             </a:fld>
             <a:endParaRPr lang="en-US"/>
           </a:p>
@@ -10644,7 +10638,6 @@
               <a:rPr lang="en-US" dirty="0"/>
               <a:t>Edit master text styles</a:t>
             </a:r>
-            <a:endParaRPr lang="en-US" dirty="0"/>
           </a:p>
         </p:txBody>
       </p:sp>
@@ -10988,6 +10981,8 @@
           <a:p>
             <a:fld id="{E6050BD3-9350-4289-8FCE-7B378CDA2F61}" type="slidenum">
               <a:rPr lang="en-US" smtClean="0"/>
+              <a:pPr/>
+              <a:t>‹#›</a:t>
             </a:fld>
             <a:endParaRPr lang="en-US"/>
           </a:p>
@@ -11160,7 +11155,6 @@
               <a:rPr lang="en-US" dirty="0"/>
               <a:t>Edit master text styles</a:t>
             </a:r>
-            <a:endParaRPr lang="en-US" dirty="0"/>
           </a:p>
         </p:txBody>
       </p:sp>
@@ -11566,6 +11560,8 @@
           <a:p>
             <a:fld id="{E6050BD3-9350-4289-8FCE-7B378CDA2F61}" type="slidenum">
               <a:rPr lang="en-US" smtClean="0"/>
+              <a:pPr/>
+              <a:t>‹#›</a:t>
             </a:fld>
             <a:endParaRPr lang="en-US"/>
           </a:p>
@@ -11657,7 +11653,6 @@
               <a:rPr lang="en-US" dirty="0"/>
               <a:t>Edit master text styles</a:t>
             </a:r>
-            <a:endParaRPr lang="en-US" dirty="0"/>
           </a:p>
         </p:txBody>
       </p:sp>
@@ -11962,6 +11957,8 @@
           <a:p>
             <a:fld id="{E6050BD3-9350-4289-8FCE-7B378CDA2F61}" type="slidenum">
               <a:rPr lang="en-US" smtClean="0"/>
+              <a:pPr/>
+              <a:t>‹#›</a:t>
             </a:fld>
             <a:endParaRPr lang="en-US"/>
           </a:p>
@@ -12185,6 +12182,8 @@
           <a:p>
             <a:fld id="{E6050BD3-9350-4289-8FCE-7B378CDA2F61}" type="slidenum">
               <a:rPr lang="en-US" smtClean="0"/>
+              <a:pPr/>
+              <a:t>‹#›</a:t>
             </a:fld>
             <a:endParaRPr lang="en-US"/>
           </a:p>
@@ -12253,7 +12252,6 @@
               <a:rPr lang="en-US" dirty="0"/>
               <a:t>Edit Master text styles</a:t>
             </a:r>
-            <a:endParaRPr lang="en-US" dirty="0"/>
           </a:p>
           <a:p>
             <a:pPr lvl="1"/>
@@ -12261,7 +12259,6 @@
               <a:rPr lang="en-US" dirty="0"/>
               <a:t>Second level</a:t>
             </a:r>
-            <a:endParaRPr lang="en-US" dirty="0"/>
           </a:p>
           <a:p>
             <a:pPr lvl="2"/>
@@ -12269,7 +12266,6 @@
               <a:rPr lang="en-US" dirty="0"/>
               <a:t>Third level</a:t>
             </a:r>
-            <a:endParaRPr lang="en-US" dirty="0"/>
           </a:p>
           <a:p>
             <a:pPr lvl="3"/>
@@ -12277,7 +12273,6 @@
               <a:rPr lang="en-US" dirty="0"/>
               <a:t>Fourth level</a:t>
             </a:r>
-            <a:endParaRPr lang="en-US" dirty="0"/>
           </a:p>
           <a:p>
             <a:pPr lvl="4"/>
@@ -12322,6 +12317,8 @@
           <a:p>
             <a:fld id="{6BBBD33C-D7BB-4480-892D-4B6A014CD173}" type="datetimeFigureOut">
               <a:rPr lang="en-US" smtClean="0"/>
+              <a:pPr/>
+              <a:t>9/11/2020</a:t>
             </a:fld>
             <a:endParaRPr lang="en-US"/>
           </a:p>
@@ -12696,7 +12693,7 @@
           <p:nvPr/>
         </p:nvPicPr>
         <p:blipFill>
-          <a:blip r:embed="rId1">
+          <a:blip r:embed="rId3">
             <a:lum bright="10000" contrast="40000"/>
           </a:blip>
           <a:srcRect/>
@@ -12755,9 +12752,6 @@
               </a:rPr>
               <a:t>SPORTS</a:t>
             </a:r>
-            <a:endParaRPr lang="en-IN" altLang="en-US" sz="3600" b="1" dirty="0">
-              <a:latin typeface="Bahnschrift Light" panose="020B0502040204020203" pitchFamily="34" charset="0"/>
-            </a:endParaRPr>
           </a:p>
           <a:p>
             <a:pPr algn="ctr"/>
@@ -12767,9 +12761,6 @@
               </a:rPr>
               <a:t>CLUB</a:t>
             </a:r>
-            <a:endParaRPr lang="en-IN" altLang="en-US" sz="3600" b="1" dirty="0">
-              <a:latin typeface="Bahnschrift Light" panose="020B0502040204020203" pitchFamily="34" charset="0"/>
-            </a:endParaRPr>
           </a:p>
         </p:txBody>
       </p:sp>
@@ -12872,7 +12863,7 @@
           <p:nvPr/>
         </p:nvPicPr>
         <p:blipFill>
-          <a:blip r:embed="rId1"/>
+          <a:blip r:embed="rId2"/>
           <a:srcRect/>
           <a:stretch>
             <a:fillRect/>
@@ -12905,7 +12896,7 @@
           <p:nvPr/>
         </p:nvPicPr>
         <p:blipFill>
-          <a:blip r:embed="rId2"/>
+          <a:blip r:embed="rId3"/>
           <a:srcRect/>
           <a:stretch>
             <a:fillRect/>
@@ -12970,7 +12961,7 @@
           <p:nvPr/>
         </p:nvPicPr>
         <p:blipFill>
-          <a:blip r:embed="rId1"/>
+          <a:blip r:embed="rId2"/>
           <a:srcRect/>
           <a:stretch>
             <a:fillRect/>
@@ -13003,7 +12994,7 @@
           <p:nvPr/>
         </p:nvPicPr>
         <p:blipFill>
-          <a:blip r:embed="rId2"/>
+          <a:blip r:embed="rId3"/>
           <a:srcRect/>
           <a:stretch>
             <a:fillRect/>
@@ -13128,8 +13119,14 @@
                 </a:solidFill>
                 <a:latin typeface="Agency FB" panose="020B0503020202020204" pitchFamily="34" charset="0"/>
               </a:rPr>
-              <a:t> Our SPORTS CLUB </a:t>
-            </a:r>
+              <a:t> Our SPORTS CLUB Management System is a sports and health club  membership management system where you  can  keep  records  on  your  members  and have quick and easy communication between you and your members . </a:t>
+            </a:r>
+          </a:p>
+          <a:p>
+            <a:pPr algn="just">
+              <a:buFont typeface="Wingdings" panose="05000000000000000000" pitchFamily="2" charset="2"/>
+              <a:buChar char="ü"/>
+            </a:pPr>
             <a:r>
               <a:rPr lang="en-US" sz="2400" dirty="0" smtClean="0">
                 <a:solidFill>
@@ -13137,152 +13134,8 @@
                 </a:solidFill>
                 <a:latin typeface="Agency FB" panose="020B0503020202020204" pitchFamily="34" charset="0"/>
               </a:rPr>
-              <a:t>Management </a:t>
-            </a:r>
-            <a:r>
-              <a:rPr lang="en-US" sz="2400" dirty="0" smtClean="0">
-                <a:solidFill>
-                  <a:srgbClr val="FFFF00"/>
-                </a:solidFill>
-                <a:latin typeface="Agency FB" panose="020B0503020202020204" pitchFamily="34" charset="0"/>
-              </a:rPr>
-              <a:t>System </a:t>
-            </a:r>
-            <a:r>
-              <a:rPr lang="en-US" sz="2400" dirty="0" smtClean="0">
-                <a:solidFill>
-                  <a:srgbClr val="FFFF00"/>
-                </a:solidFill>
-                <a:latin typeface="Agency FB" panose="020B0503020202020204" pitchFamily="34" charset="0"/>
-              </a:rPr>
-              <a:t>is a </a:t>
-            </a:r>
-            <a:r>
-              <a:rPr lang="en-US" sz="2400" dirty="0" smtClean="0">
-                <a:solidFill>
-                  <a:srgbClr val="FFFF00"/>
-                </a:solidFill>
-                <a:latin typeface="Agency FB" panose="020B0503020202020204" pitchFamily="34" charset="0"/>
-              </a:rPr>
-              <a:t>sports </a:t>
-            </a:r>
-            <a:r>
-              <a:rPr lang="en-US" sz="2400" dirty="0" smtClean="0">
-                <a:solidFill>
-                  <a:srgbClr val="FFFF00"/>
-                </a:solidFill>
-                <a:latin typeface="Agency FB" panose="020B0503020202020204" pitchFamily="34" charset="0"/>
-              </a:rPr>
-              <a:t>and health club  membership management system </a:t>
-            </a:r>
-            <a:r>
-              <a:rPr lang="en-US" sz="2400" dirty="0" smtClean="0">
-                <a:solidFill>
-                  <a:srgbClr val="FFFF00"/>
-                </a:solidFill>
-                <a:latin typeface="Agency FB" panose="020B0503020202020204" pitchFamily="34" charset="0"/>
-              </a:rPr>
-              <a:t>where you  </a:t>
-            </a:r>
-            <a:r>
-              <a:rPr lang="en-US" sz="2400" dirty="0" smtClean="0">
-                <a:solidFill>
-                  <a:srgbClr val="FFFF00"/>
-                </a:solidFill>
-                <a:latin typeface="Agency FB" panose="020B0503020202020204" pitchFamily="34" charset="0"/>
-              </a:rPr>
-              <a:t>can  keep  records  on  your  members  </a:t>
-            </a:r>
-            <a:r>
-              <a:rPr lang="en-US" sz="2400" dirty="0" smtClean="0">
-                <a:solidFill>
-                  <a:srgbClr val="FFFF00"/>
-                </a:solidFill>
-                <a:latin typeface="Agency FB" panose="020B0503020202020204" pitchFamily="34" charset="0"/>
-              </a:rPr>
-              <a:t>and </a:t>
-            </a:r>
-            <a:r>
-              <a:rPr lang="en-US" sz="2400" dirty="0" smtClean="0">
-                <a:solidFill>
-                  <a:srgbClr val="FFFF00"/>
-                </a:solidFill>
-                <a:latin typeface="Agency FB" panose="020B0503020202020204" pitchFamily="34" charset="0"/>
-              </a:rPr>
-              <a:t>have quick and easy communication between you and your members . </a:t>
-            </a:r>
-            <a:endParaRPr lang="en-US" sz="2400" dirty="0" smtClean="0">
-              <a:solidFill>
-                <a:srgbClr val="FFFF00"/>
-              </a:solidFill>
-              <a:latin typeface="Agency FB" panose="020B0503020202020204" pitchFamily="34" charset="0"/>
-            </a:endParaRPr>
-          </a:p>
-          <a:p>
-            <a:pPr algn="just">
-              <a:buFont typeface="Wingdings" panose="05000000000000000000" pitchFamily="2" charset="2"/>
-              <a:buChar char="ü"/>
-            </a:pPr>
-            <a:r>
-              <a:rPr lang="en-US" sz="2400" dirty="0" smtClean="0">
-                <a:solidFill>
-                  <a:srgbClr val="FFFF00"/>
-                </a:solidFill>
-                <a:latin typeface="Agency FB" panose="020B0503020202020204" pitchFamily="34" charset="0"/>
-              </a:rPr>
-              <a:t> SPORTS </a:t>
-            </a:r>
-            <a:r>
-              <a:rPr lang="en-US" sz="2400" dirty="0" smtClean="0">
-                <a:solidFill>
-                  <a:srgbClr val="FFFF00"/>
-                </a:solidFill>
-                <a:latin typeface="Agency FB" panose="020B0503020202020204" pitchFamily="34" charset="0"/>
-              </a:rPr>
-              <a:t>Management also includes a booking system </a:t>
-            </a:r>
-            <a:r>
-              <a:rPr lang="en-US" sz="2400" dirty="0" smtClean="0">
-                <a:solidFill>
-                  <a:srgbClr val="FFFF00"/>
-                </a:solidFill>
-                <a:latin typeface="Agency FB" panose="020B0503020202020204" pitchFamily="34" charset="0"/>
-              </a:rPr>
-              <a:t>and </a:t>
-            </a:r>
-            <a:r>
-              <a:rPr lang="en-US" sz="2400" dirty="0" smtClean="0">
-                <a:solidFill>
-                  <a:srgbClr val="FFFF00"/>
-                </a:solidFill>
-                <a:latin typeface="Agency FB" panose="020B0503020202020204" pitchFamily="34" charset="0"/>
-              </a:rPr>
-              <a:t>has a range of reports that help in the management of </a:t>
-            </a:r>
-            <a:r>
-              <a:rPr lang="en-US" sz="2400" dirty="0" smtClean="0">
-                <a:solidFill>
-                  <a:srgbClr val="FFFF00"/>
-                </a:solidFill>
-                <a:latin typeface="Agency FB" panose="020B0503020202020204" pitchFamily="34" charset="0"/>
-              </a:rPr>
-              <a:t>the </a:t>
-            </a:r>
-            <a:r>
-              <a:rPr lang="en-US" sz="2400" dirty="0" smtClean="0">
-                <a:solidFill>
-                  <a:srgbClr val="FFFF00"/>
-                </a:solidFill>
-                <a:latin typeface="Agency FB" panose="020B0503020202020204" pitchFamily="34" charset="0"/>
-              </a:rPr>
-              <a:t>club. </a:t>
-            </a:r>
-            <a:endParaRPr lang="en-US" sz="2400" dirty="0" smtClean="0">
-              <a:solidFill>
-                <a:srgbClr val="FFFF00"/>
-              </a:solidFill>
-              <a:latin typeface="Agency FB" panose="020B0503020202020204" pitchFamily="34" charset="0"/>
-            </a:endParaRPr>
+              <a:t> SPORTS Management also includes a booking system and has a range of reports that help in the management of the club. </a:t>
+            </a:r>
           </a:p>
           <a:p>
             <a:pPr algn="just">
@@ -13316,12 +13169,6 @@
               </a:rPr>
               <a:t> managers . </a:t>
             </a:r>
-            <a:endParaRPr lang="en-US" sz="2400" dirty="0" smtClean="0">
-              <a:solidFill>
-                <a:srgbClr val="FFFF00"/>
-              </a:solidFill>
-              <a:latin typeface="Agency FB" panose="020B0503020202020204" pitchFamily="34" charset="0"/>
-            </a:endParaRPr>
           </a:p>
           <a:p>
             <a:pPr algn="just">
@@ -13335,52 +13182,7 @@
                 </a:solidFill>
                 <a:latin typeface="Agency FB" panose="020B0503020202020204" pitchFamily="34" charset="0"/>
               </a:rPr>
-              <a:t>In </a:t>
-            </a:r>
-            <a:r>
-              <a:rPr lang="en-US" sz="2400" dirty="0" smtClean="0">
-                <a:solidFill>
-                  <a:srgbClr val="FFFF00"/>
-                </a:solidFill>
-                <a:latin typeface="Agency FB" panose="020B0503020202020204" pitchFamily="34" charset="0"/>
-              </a:rPr>
-              <a:t>this proposed system also provide the total information about machinery and data of coaches is also stored in it </a:t>
-            </a:r>
-            <a:r>
-              <a:rPr lang="en-US" sz="2400" dirty="0" smtClean="0">
-                <a:solidFill>
-                  <a:srgbClr val="FFFF00"/>
-                </a:solidFill>
-                <a:latin typeface="Agency FB" panose="020B0503020202020204" pitchFamily="34" charset="0"/>
-              </a:rPr>
-              <a:t>and services </a:t>
-            </a:r>
-            <a:r>
-              <a:rPr lang="en-US" sz="2400" dirty="0" smtClean="0">
-                <a:solidFill>
-                  <a:srgbClr val="FFFF00"/>
-                </a:solidFill>
-                <a:latin typeface="Agency FB" panose="020B0503020202020204" pitchFamily="34" charset="0"/>
-              </a:rPr>
-              <a:t>provided by </a:t>
-            </a:r>
-            <a:r>
-              <a:rPr lang="en-US" sz="2400" dirty="0" smtClean="0">
-                <a:solidFill>
-                  <a:srgbClr val="FFFF00"/>
-                </a:solidFill>
-                <a:latin typeface="Agency FB" panose="020B0503020202020204" pitchFamily="34" charset="0"/>
-              </a:rPr>
-              <a:t>Club is </a:t>
-            </a:r>
-            <a:r>
-              <a:rPr lang="en-US" sz="2400" dirty="0" smtClean="0">
-                <a:solidFill>
-                  <a:srgbClr val="FFFF00"/>
-                </a:solidFill>
-                <a:latin typeface="Agency FB" panose="020B0503020202020204" pitchFamily="34" charset="0"/>
-              </a:rPr>
-              <a:t>also handled by this system . </a:t>
+              <a:t>In this proposed system also provide the total information about machinery and data of coaches is also stored in it and services provided by Club is also handled by this system . </a:t>
             </a:r>
             <a:endParaRPr lang="en-US" sz="2400" dirty="0">
               <a:solidFill>
@@ -13520,18 +13322,6 @@
               </a:rPr>
               <a:t> in an igneous way </a:t>
             </a:r>
-            <a:endParaRPr kumimoji="0" lang="en-US" sz="2800" b="0" i="0" u="none" strike="noStrike" kern="1200" cap="none" spc="0" normalizeH="0" baseline="0" noProof="0" dirty="0" smtClean="0">
-              <a:ln>
-                <a:noFill/>
-              </a:ln>
-              <a:solidFill>
-                <a:srgbClr val="FFFF00"/>
-              </a:solidFill>
-              <a:effectLst/>
-              <a:uLnTx/>
-              <a:uFillTx/>
-              <a:latin typeface="Agency FB" panose="020B0503020202020204" pitchFamily="34" charset="0"/>
-            </a:endParaRPr>
           </a:p>
           <a:p>
             <a:pPr marL="228600" marR="0" lvl="0" indent="-228600" algn="just" defTabSz="914400" rtl="0" eaLnBrk="1" fontAlgn="auto" latinLnBrk="0" hangingPunct="1">
@@ -13595,18 +13385,6 @@
               </a:rPr>
               <a:t> provides to its customers .</a:t>
             </a:r>
-            <a:endParaRPr kumimoji="0" lang="en-US" sz="2800" b="0" i="0" u="none" strike="noStrike" kern="1200" cap="none" spc="0" normalizeH="0" baseline="0" noProof="0" dirty="0" smtClean="0">
-              <a:ln>
-                <a:noFill/>
-              </a:ln>
-              <a:solidFill>
-                <a:srgbClr val="FFFF00"/>
-              </a:solidFill>
-              <a:effectLst/>
-              <a:uLnTx/>
-              <a:uFillTx/>
-              <a:latin typeface="Agency FB" panose="020B0503020202020204" pitchFamily="34" charset="0"/>
-            </a:endParaRPr>
           </a:p>
           <a:p>
             <a:pPr marL="228600" marR="0" lvl="0" indent="-228600" algn="just" defTabSz="914400" rtl="0" eaLnBrk="1" fontAlgn="auto" latinLnBrk="0" hangingPunct="1">
@@ -13640,18 +13418,6 @@
               </a:rPr>
               <a:t> Also , only the staff has the privilege to access any database and make the required changes , if necessary .</a:t>
             </a:r>
-            <a:endParaRPr kumimoji="0" lang="en-US" sz="2800" b="0" i="0" u="none" strike="noStrike" kern="1200" cap="none" spc="0" normalizeH="0" baseline="0" noProof="0" dirty="0" smtClean="0">
-              <a:ln>
-                <a:noFill/>
-              </a:ln>
-              <a:solidFill>
-                <a:srgbClr val="FFFF00"/>
-              </a:solidFill>
-              <a:effectLst/>
-              <a:uLnTx/>
-              <a:uFillTx/>
-              <a:latin typeface="Agency FB" panose="020B0503020202020204" pitchFamily="34" charset="0"/>
-            </a:endParaRPr>
           </a:p>
           <a:p>
             <a:pPr marL="228600" marR="0" lvl="0" indent="-228600" algn="just" defTabSz="914400" rtl="0" eaLnBrk="1" fontAlgn="auto" latinLnBrk="0" hangingPunct="1">
@@ -13685,18 +13451,6 @@
               </a:rPr>
               <a:t> To develop easy to use software which handles the customer-staff relationship in a effective manner . </a:t>
             </a:r>
-            <a:endParaRPr kumimoji="0" lang="en-US" sz="2800" b="0" i="0" u="none" strike="noStrike" kern="1200" cap="none" spc="0" normalizeH="0" baseline="0" noProof="0" dirty="0" smtClean="0">
-              <a:ln>
-                <a:noFill/>
-              </a:ln>
-              <a:solidFill>
-                <a:srgbClr val="FFFF00"/>
-              </a:solidFill>
-              <a:effectLst/>
-              <a:uLnTx/>
-              <a:uFillTx/>
-              <a:latin typeface="Agency FB" panose="020B0503020202020204" pitchFamily="34" charset="0"/>
-            </a:endParaRPr>
           </a:p>
           <a:p>
             <a:pPr marL="228600" marR="0" lvl="0" indent="-228600" algn="just" defTabSz="914400" rtl="0" eaLnBrk="1" fontAlgn="auto" latinLnBrk="0" hangingPunct="1">
@@ -13773,25 +13527,7 @@
                 </a:solidFill>
                 <a:latin typeface="Bahnschrift Light SemiCondensed" panose="020B0502040204020203" pitchFamily="34" charset="0"/>
               </a:rPr>
-              <a:t>Objectives of the </a:t>
-            </a:r>
-            <a:r>
-              <a:rPr lang="en-US" sz="5400" b="1" dirty="0" smtClean="0">
-                <a:solidFill>
-                  <a:schemeClr val="bg1"/>
-                </a:solidFill>
-                <a:latin typeface="Bahnschrift Light SemiCondensed" panose="020B0502040204020203" pitchFamily="34" charset="0"/>
-              </a:rPr>
-              <a:t>Sports Club </a:t>
-            </a:r>
-            <a:r>
-              <a:rPr lang="en-US" sz="5400" b="1" dirty="0" smtClean="0">
-                <a:solidFill>
-                  <a:schemeClr val="bg1"/>
-                </a:solidFill>
-                <a:latin typeface="Bahnschrift Light SemiCondensed" panose="020B0502040204020203" pitchFamily="34" charset="0"/>
-              </a:rPr>
-              <a:t>Management System</a:t>
+              <a:t>Objectives of the Sports Club Management System</a:t>
             </a:r>
             <a:endParaRPr lang="en-US" sz="5400" dirty="0">
               <a:solidFill>
@@ -13847,12 +13583,12 @@
         <p:spPr/>
         <p:txBody>
           <a:bodyPr/>
+          <a:lstStyle/>
           <a:p>
             <a:r>
               <a:rPr lang="en-IN" altLang="en-US"/>
               <a:t>SCHEMA  DIAGRAM</a:t>
             </a:r>
-            <a:endParaRPr lang="en-IN" altLang="en-US"/>
           </a:p>
         </p:txBody>
       </p:sp>
@@ -13860,14 +13596,14 @@
         <p:nvPicPr>
           <p:cNvPr id="4" name="Picture 1"/>
           <p:cNvPicPr>
-            <a:picLocks noChangeAspect="1"/>
+            <a:picLocks noGrp="1" noChangeAspect="1"/>
           </p:cNvPicPr>
           <p:nvPr>
             <p:ph type="media" sz="quarter" idx="17"/>
           </p:nvPr>
         </p:nvPicPr>
         <p:blipFill>
-          <a:blip r:embed="rId1"/>
+          <a:blip r:embed="rId2"/>
           <a:stretch>
             <a:fillRect/>
           </a:stretch>
@@ -13976,8 +13712,10 @@
                 </a:solidFill>
                 <a:latin typeface="Agency FB" panose="020B0503020202020204" pitchFamily="34" charset="0"/>
               </a:rPr>
-              <a:t>Database Normalization is a technique of organizing the data in the database. Normalization is a systematic approach of decomposing tables to eliminate data redundancy(repetition) and undesirable characteristics like Insertion, Update and Deletion Anomalies. It is a multi-step process that puts data into tabular form, removing duplicated data from the </a:t>
-            </a:r>
+              <a:t>Database Normalization is a technique of organizing the data in the database. Normalization is a systematic approach of decomposing tables to eliminate data redundancy(repetition) and undesirable characteristics like Insertion, Update and Deletion Anomalies. It is a multi-step process that puts data into tabular form, removing duplicated data from the relation tables.</a:t>
+            </a:r>
+          </a:p>
+          <a:p>
             <a:r>
               <a:rPr lang="en-US" sz="2400" dirty="0" smtClean="0">
                 <a:solidFill>
@@ -13985,49 +13723,8 @@
                 </a:solidFill>
                 <a:latin typeface="Agency FB" panose="020B0503020202020204" pitchFamily="34" charset="0"/>
               </a:rPr>
-              <a:t>relation </a:t>
-            </a:r>
-            <a:r>
-              <a:rPr lang="en-US" sz="2400" dirty="0" smtClean="0">
-                <a:solidFill>
-                  <a:srgbClr val="FFFF00"/>
-                </a:solidFill>
-                <a:latin typeface="Agency FB" panose="020B0503020202020204" pitchFamily="34" charset="0"/>
-              </a:rPr>
-              <a:t>tables.</a:t>
-            </a:r>
-            <a:endParaRPr lang="en-US" sz="2400" dirty="0" smtClean="0">
-              <a:solidFill>
-                <a:srgbClr val="FFFF00"/>
-              </a:solidFill>
-              <a:latin typeface="Agency FB" panose="020B0503020202020204" pitchFamily="34" charset="0"/>
-            </a:endParaRPr>
-          </a:p>
-          <a:p>
-            <a:r>
-              <a:rPr lang="en-US" sz="2400" dirty="0" smtClean="0">
-                <a:solidFill>
-                  <a:srgbClr val="FFFF00"/>
-                </a:solidFill>
-                <a:latin typeface="Agency FB" panose="020B0503020202020204" pitchFamily="34" charset="0"/>
-              </a:rPr>
-              <a:t>Normalization is used for mainly two </a:t>
-            </a:r>
-            <a:r>
-              <a:rPr lang="en-US" sz="2400" dirty="0" smtClean="0">
-                <a:solidFill>
-                  <a:srgbClr val="FFFF00"/>
-                </a:solidFill>
-                <a:latin typeface="Agency FB" panose="020B0503020202020204" pitchFamily="34" charset="0"/>
-              </a:rPr>
-              <a:t>purposes :</a:t>
-            </a:r>
-            <a:endParaRPr lang="en-US" sz="2400" dirty="0" smtClean="0">
-              <a:solidFill>
-                <a:srgbClr val="FFFF00"/>
-              </a:solidFill>
-              <a:latin typeface="Agency FB" panose="020B0503020202020204" pitchFamily="34" charset="0"/>
-            </a:endParaRPr>
+              <a:t>Normalization is used for mainly two purposes :</a:t>
+            </a:r>
           </a:p>
           <a:p>
             <a:r>
@@ -14039,12 +13736,6 @@
               </a:rPr>
               <a:t> </a:t>
             </a:r>
-            <a:endParaRPr lang="en-US" sz="2400" dirty="0" smtClean="0">
-              <a:solidFill>
-                <a:srgbClr val="FFFF00"/>
-              </a:solidFill>
-              <a:latin typeface="Agency FB" panose="020B0503020202020204" pitchFamily="34" charset="0"/>
-            </a:endParaRPr>
           </a:p>
           <a:p>
             <a:pPr>
@@ -14060,12 +13751,6 @@
               </a:rPr>
               <a:t>Eliminating redundant(useless) data.</a:t>
             </a:r>
-            <a:endParaRPr lang="en-US" sz="2400" dirty="0" smtClean="0">
-              <a:solidFill>
-                <a:srgbClr val="FFFF00"/>
-              </a:solidFill>
-              <a:latin typeface="Agency FB" panose="020B0503020202020204" pitchFamily="34" charset="0"/>
-            </a:endParaRPr>
           </a:p>
           <a:p>
             <a:pPr>
@@ -14213,8 +13898,8 @@
           <p:nvPr/>
         </p:nvPicPr>
         <p:blipFill>
-          <a:blip r:embed="rId1"/>
-          <a:srcRect t="46662" r="43751"/>
+          <a:blip r:embed="rId2"/>
+          <a:srcRect t="46662" r="43751" b="11191"/>
           <a:stretch>
             <a:fillRect/>
           </a:stretch>
@@ -14222,7 +13907,7 @@
         <p:spPr bwMode="auto">
           <a:xfrm>
             <a:off x="152400" y="3886200"/>
-            <a:ext cx="4005716" cy="2133600"/>
+            <a:ext cx="4005716" cy="1685940"/>
           </a:xfrm>
           <a:prstGeom prst="rect">
             <a:avLst/>
@@ -14239,7 +13924,7 @@
           <p:nvPr/>
         </p:nvPicPr>
         <p:blipFill>
-          <a:blip r:embed="rId2"/>
+          <a:blip r:embed="rId3"/>
           <a:srcRect r="4079" b="11290"/>
           <a:stretch>
             <a:fillRect/>
@@ -14359,7 +14044,7 @@
           <p:nvPr/>
         </p:nvPicPr>
         <p:blipFill>
-          <a:blip r:embed="rId1"/>
+          <a:blip r:embed="rId2"/>
           <a:srcRect/>
           <a:stretch>
             <a:fillRect/>
@@ -14385,7 +14070,7 @@
           <p:nvPr/>
         </p:nvPicPr>
         <p:blipFill>
-          <a:blip r:embed="rId2"/>
+          <a:blip r:embed="rId3"/>
           <a:srcRect/>
           <a:stretch>
             <a:fillRect/>
@@ -14458,11 +14143,7 @@
           <a:p>
             <a:r>
               <a:rPr lang="en-US" dirty="0" smtClean="0"/>
-              <a:t>HARDWARE &amp; </a:t>
-            </a:r>
-            <a:r>
-              <a:rPr lang="en-US" dirty="0" smtClean="0"/>
-              <a:t>SOFTWARE </a:t>
+              <a:t>HARDWARE &amp; SOFTWARE </a:t>
             </a:r>
             <a:endParaRPr lang="en-US" dirty="0"/>
           </a:p>
@@ -14699,18 +14380,6 @@
               </a:rPr>
               <a:t>HD: - 20 GB or above.</a:t>
             </a:r>
-            <a:endParaRPr kumimoji="0" lang="en-US" sz="2400" b="0" i="0" u="none" strike="noStrike" cap="none" normalizeH="0" baseline="0" dirty="0" smtClean="0">
-              <a:ln>
-                <a:noFill/>
-              </a:ln>
-              <a:solidFill>
-                <a:srgbClr val="FFFF00"/>
-              </a:solidFill>
-              <a:effectLst/>
-              <a:latin typeface="Agency FB" panose="020B0503020202020204" pitchFamily="34" charset="0"/>
-              <a:ea typeface="Calibri" panose="020F0502020204030204" pitchFamily="34" charset="0"/>
-              <a:cs typeface="Calibri" panose="020F0502020204030204" pitchFamily="34" charset="0"/>
-            </a:endParaRPr>
           </a:p>
           <a:p>
             <a:pPr marL="0" marR="0" lvl="0" indent="0" algn="just" defTabSz="914400" rtl="0" eaLnBrk="0" fontAlgn="base" latinLnBrk="0" hangingPunct="0">
@@ -15093,18 +14762,6 @@
               </a:rPr>
               <a:t>After implementing the application it will contain the advantages that are  incomparable to the present contemporary systems used by company. The most admirable feature founded was its simplicity in terms of application to the user but its highly beneficial outputs can’t be ignored. The users will be highly benefited after using the system.</a:t>
             </a:r>
-            <a:endParaRPr kumimoji="0" lang="en-US" sz="2400" b="0" i="0" u="none" strike="noStrike" cap="none" normalizeH="0" baseline="0" dirty="0" smtClean="0">
-              <a:ln>
-                <a:noFill/>
-              </a:ln>
-              <a:solidFill>
-                <a:srgbClr val="FFFF00"/>
-              </a:solidFill>
-              <a:effectLst/>
-              <a:latin typeface="Agency FB" panose="020B0503020202020204" pitchFamily="34" charset="0"/>
-              <a:ea typeface="Calibri" panose="020F0502020204030204" pitchFamily="34" charset="0"/>
-              <a:cs typeface="Calibri" panose="020F0502020204030204" pitchFamily="34" charset="0"/>
-            </a:endParaRPr>
           </a:p>
           <a:p>
             <a:pPr marL="0" marR="0" lvl="0" indent="457200" algn="just" defTabSz="914400" rtl="0" eaLnBrk="1" fontAlgn="base" latinLnBrk="0" hangingPunct="1">
@@ -15405,9 +15062,10 @@
       </a:lstStyle>
     </a:spDef>
   </a:objectDefaults>
+  <a:extraClrSchemeLst/>
   <a:extLst>
     <a:ext uri="{05A4C25C-085E-4340-85A3-A5531E510DB2}">
-      <thm15:themeFamily xmlns:thm15="http://schemas.microsoft.com/office/thememl/2012/main" name="Office Theme" id="{62F939B6-93AF-4DB8-9C6B-D6C7DFDC589F}" vid="{4A3C46E8-61CC-4603-A589-7422A47A8E4A}"/>
+      <thm15:themeFamily xmlns:thm15="http://schemas.microsoft.com/office/thememl/2012/main" xmlns="" name="Office Theme" id="{62F939B6-93AF-4DB8-9C6B-D6C7DFDC589F}" vid="{4A3C46E8-61CC-4603-A589-7422A47A8E4A}"/>
     </a:ext>
   </a:extLst>
 </a:theme>
@@ -15664,9 +15322,11 @@
       </a:bgFillStyleLst>
     </a:fmtScheme>
   </a:themeElements>
+  <a:objectDefaults/>
+  <a:extraClrSchemeLst/>
   <a:extLst>
     <a:ext uri="{05A4C25C-085E-4340-85A3-A5531E510DB2}">
-      <thm15:themeFamily xmlns:thm15="http://schemas.microsoft.com/office/thememl/2012/main" name="Office Theme" id="{62F939B6-93AF-4DB8-9C6B-D6C7DFDC589F}" vid="{4A3C46E8-61CC-4603-A589-7422A47A8E4A}"/>
+      <thm15:themeFamily xmlns:thm15="http://schemas.microsoft.com/office/thememl/2012/main" xmlns="" name="Office Theme" id="{62F939B6-93AF-4DB8-9C6B-D6C7DFDC589F}" vid="{4A3C46E8-61CC-4603-A589-7422A47A8E4A}"/>
     </a:ext>
   </a:extLst>
 </a:theme>
@@ -15923,9 +15583,11 @@
       </a:bgFillStyleLst>
     </a:fmtScheme>
   </a:themeElements>
+  <a:objectDefaults/>
+  <a:extraClrSchemeLst/>
   <a:extLst>
     <a:ext uri="{05A4C25C-085E-4340-85A3-A5531E510DB2}">
-      <thm15:themeFamily xmlns:thm15="http://schemas.microsoft.com/office/thememl/2012/main" name="Office Theme" id="{62F939B6-93AF-4DB8-9C6B-D6C7DFDC589F}" vid="{4A3C46E8-61CC-4603-A589-7422A47A8E4A}"/>
+      <thm15:themeFamily xmlns:thm15="http://schemas.microsoft.com/office/thememl/2012/main" xmlns="" name="Office Theme" id="{62F939B6-93AF-4DB8-9C6B-D6C7DFDC589F}" vid="{4A3C46E8-61CC-4603-A589-7422A47A8E4A}"/>
     </a:ext>
   </a:extLst>
 </a:theme>
